--- a/images/25/poster.pptx
+++ b/images/25/poster.pptx
@@ -104,6 +104,11 @@
       </a:defRPr>
     </a:lvl9pPr>
   </p:defaultTextStyle>
+  <p:extLst>
+    <p:ext uri="{EFAFB233-063F-42B5-8137-9DF3F51BA10A}">
+      <p15:sldGuideLst xmlns:p15="http://schemas.microsoft.com/office/powerpoint/2012/main"/>
+    </p:ext>
+  </p:extLst>
 </p:presentation>
 </file>
 
@@ -254,7 +259,7 @@
           <a:p>
             <a:fld id="{6855896E-682B-470E-B1EA-DF849482A267}" type="datetimeFigureOut">
               <a:rPr lang="en-US" smtClean="0"/>
-              <a:t>2021-10-18</a:t>
+              <a:t>2021-10-19</a:t>
             </a:fld>
             <a:endParaRPr lang="en-US"/>
           </a:p>
@@ -452,7 +457,7 @@
           <a:p>
             <a:fld id="{6855896E-682B-470E-B1EA-DF849482A267}" type="datetimeFigureOut">
               <a:rPr lang="en-US" smtClean="0"/>
-              <a:t>2021-10-18</a:t>
+              <a:t>2021-10-19</a:t>
             </a:fld>
             <a:endParaRPr lang="en-US"/>
           </a:p>
@@ -660,7 +665,7 @@
           <a:p>
             <a:fld id="{6855896E-682B-470E-B1EA-DF849482A267}" type="datetimeFigureOut">
               <a:rPr lang="en-US" smtClean="0"/>
-              <a:t>2021-10-18</a:t>
+              <a:t>2021-10-19</a:t>
             </a:fld>
             <a:endParaRPr lang="en-US"/>
           </a:p>
@@ -858,7 +863,7 @@
           <a:p>
             <a:fld id="{6855896E-682B-470E-B1EA-DF849482A267}" type="datetimeFigureOut">
               <a:rPr lang="en-US" smtClean="0"/>
-              <a:t>2021-10-18</a:t>
+              <a:t>2021-10-19</a:t>
             </a:fld>
             <a:endParaRPr lang="en-US"/>
           </a:p>
@@ -1133,7 +1138,7 @@
           <a:p>
             <a:fld id="{6855896E-682B-470E-B1EA-DF849482A267}" type="datetimeFigureOut">
               <a:rPr lang="en-US" smtClean="0"/>
-              <a:t>2021-10-18</a:t>
+              <a:t>2021-10-19</a:t>
             </a:fld>
             <a:endParaRPr lang="en-US"/>
           </a:p>
@@ -1398,7 +1403,7 @@
           <a:p>
             <a:fld id="{6855896E-682B-470E-B1EA-DF849482A267}" type="datetimeFigureOut">
               <a:rPr lang="en-US" smtClean="0"/>
-              <a:t>2021-10-18</a:t>
+              <a:t>2021-10-19</a:t>
             </a:fld>
             <a:endParaRPr lang="en-US"/>
           </a:p>
@@ -1810,7 +1815,7 @@
           <a:p>
             <a:fld id="{6855896E-682B-470E-B1EA-DF849482A267}" type="datetimeFigureOut">
               <a:rPr lang="en-US" smtClean="0"/>
-              <a:t>2021-10-18</a:t>
+              <a:t>2021-10-19</a:t>
             </a:fld>
             <a:endParaRPr lang="en-US"/>
           </a:p>
@@ -1951,7 +1956,7 @@
           <a:p>
             <a:fld id="{6855896E-682B-470E-B1EA-DF849482A267}" type="datetimeFigureOut">
               <a:rPr lang="en-US" smtClean="0"/>
-              <a:t>2021-10-18</a:t>
+              <a:t>2021-10-19</a:t>
             </a:fld>
             <a:endParaRPr lang="en-US"/>
           </a:p>
@@ -2064,7 +2069,7 @@
           <a:p>
             <a:fld id="{6855896E-682B-470E-B1EA-DF849482A267}" type="datetimeFigureOut">
               <a:rPr lang="en-US" smtClean="0"/>
-              <a:t>2021-10-18</a:t>
+              <a:t>2021-10-19</a:t>
             </a:fld>
             <a:endParaRPr lang="en-US"/>
           </a:p>
@@ -2375,7 +2380,7 @@
           <a:p>
             <a:fld id="{6855896E-682B-470E-B1EA-DF849482A267}" type="datetimeFigureOut">
               <a:rPr lang="en-US" smtClean="0"/>
-              <a:t>2021-10-18</a:t>
+              <a:t>2021-10-19</a:t>
             </a:fld>
             <a:endParaRPr lang="en-US"/>
           </a:p>
@@ -2663,7 +2668,7 @@
           <a:p>
             <a:fld id="{6855896E-682B-470E-B1EA-DF849482A267}" type="datetimeFigureOut">
               <a:rPr lang="en-US" smtClean="0"/>
-              <a:t>2021-10-18</a:t>
+              <a:t>2021-10-19</a:t>
             </a:fld>
             <a:endParaRPr lang="en-US"/>
           </a:p>
@@ -2904,7 +2909,7 @@
           <a:p>
             <a:fld id="{6855896E-682B-470E-B1EA-DF849482A267}" type="datetimeFigureOut">
               <a:rPr lang="en-US" smtClean="0"/>
-              <a:t>2021-10-18</a:t>
+              <a:t>2021-10-19</a:t>
             </a:fld>
             <a:endParaRPr lang="en-US"/>
           </a:p>
@@ -3867,10 +3872,10 @@
       </p:pic>
       <p:pic>
         <p:nvPicPr>
-          <p:cNvPr id="20" name="Picture 19">
-            <a:extLst>
-              <a:ext uri="{FF2B5EF4-FFF2-40B4-BE49-F238E27FC236}">
-                <a16:creationId xmlns:a16="http://schemas.microsoft.com/office/drawing/2014/main" id="{7F7F3EAB-8C4A-40C9-894D-33EC2E01496F}"/>
+          <p:cNvPr id="21" name="Picture 20">
+            <a:extLst>
+              <a:ext uri="{FF2B5EF4-FFF2-40B4-BE49-F238E27FC236}">
+                <a16:creationId xmlns:a16="http://schemas.microsoft.com/office/drawing/2014/main" id="{C2689707-3BB1-4E91-AE2F-D8CD26F96A1A}"/>
               </a:ext>
             </a:extLst>
           </p:cNvPr>
@@ -3887,7 +3892,7 @@
         </p:blipFill>
         <p:spPr>
           <a:xfrm>
-            <a:off x="9293533" y="3952381"/>
+            <a:off x="3438629" y="5433749"/>
             <a:ext cx="1236910" cy="1220670"/>
           </a:xfrm>
           <a:prstGeom prst="rect">
@@ -3897,10 +3902,10 @@
       </p:pic>
       <p:pic>
         <p:nvPicPr>
-          <p:cNvPr id="21" name="Picture 20">
-            <a:extLst>
-              <a:ext uri="{FF2B5EF4-FFF2-40B4-BE49-F238E27FC236}">
-                <a16:creationId xmlns:a16="http://schemas.microsoft.com/office/drawing/2014/main" id="{C2689707-3BB1-4E91-AE2F-D8CD26F96A1A}"/>
+          <p:cNvPr id="22" name="Picture 21">
+            <a:extLst>
+              <a:ext uri="{FF2B5EF4-FFF2-40B4-BE49-F238E27FC236}">
+                <a16:creationId xmlns:a16="http://schemas.microsoft.com/office/drawing/2014/main" id="{92BC9FB4-353E-4BAE-9F8C-2FD20488A667}"/>
               </a:ext>
             </a:extLst>
           </p:cNvPr>
@@ -3917,7 +3922,7 @@
         </p:blipFill>
         <p:spPr>
           <a:xfrm>
-            <a:off x="3438629" y="5433749"/>
+            <a:off x="4902355" y="5433749"/>
             <a:ext cx="1236910" cy="1220670"/>
           </a:xfrm>
           <a:prstGeom prst="rect">
@@ -3927,10 +3932,10 @@
       </p:pic>
       <p:pic>
         <p:nvPicPr>
-          <p:cNvPr id="22" name="Picture 21">
-            <a:extLst>
-              <a:ext uri="{FF2B5EF4-FFF2-40B4-BE49-F238E27FC236}">
-                <a16:creationId xmlns:a16="http://schemas.microsoft.com/office/drawing/2014/main" id="{92BC9FB4-353E-4BAE-9F8C-2FD20488A667}"/>
+          <p:cNvPr id="23" name="Picture 22">
+            <a:extLst>
+              <a:ext uri="{FF2B5EF4-FFF2-40B4-BE49-F238E27FC236}">
+                <a16:creationId xmlns:a16="http://schemas.microsoft.com/office/drawing/2014/main" id="{271E6647-8B31-4A75-BF4D-78B9CA05ADD3}"/>
               </a:ext>
             </a:extLst>
           </p:cNvPr>
@@ -3947,7 +3952,7 @@
         </p:blipFill>
         <p:spPr>
           <a:xfrm>
-            <a:off x="4902355" y="5433749"/>
+            <a:off x="6366081" y="5433749"/>
             <a:ext cx="1236910" cy="1220670"/>
           </a:xfrm>
           <a:prstGeom prst="rect">
@@ -3957,10 +3962,10 @@
       </p:pic>
       <p:pic>
         <p:nvPicPr>
-          <p:cNvPr id="23" name="Picture 22">
-            <a:extLst>
-              <a:ext uri="{FF2B5EF4-FFF2-40B4-BE49-F238E27FC236}">
-                <a16:creationId xmlns:a16="http://schemas.microsoft.com/office/drawing/2014/main" id="{271E6647-8B31-4A75-BF4D-78B9CA05ADD3}"/>
+          <p:cNvPr id="24" name="Picture 23">
+            <a:extLst>
+              <a:ext uri="{FF2B5EF4-FFF2-40B4-BE49-F238E27FC236}">
+                <a16:creationId xmlns:a16="http://schemas.microsoft.com/office/drawing/2014/main" id="{65B14499-3C5C-4DA3-981A-AD2CBE379DB2}"/>
               </a:ext>
             </a:extLst>
           </p:cNvPr>
@@ -3977,7 +3982,7 @@
         </p:blipFill>
         <p:spPr>
           <a:xfrm>
-            <a:off x="6366081" y="5433749"/>
+            <a:off x="7829807" y="5433749"/>
             <a:ext cx="1236910" cy="1220670"/>
           </a:xfrm>
           <a:prstGeom prst="rect">
@@ -3987,10 +3992,10 @@
       </p:pic>
       <p:pic>
         <p:nvPicPr>
-          <p:cNvPr id="24" name="Picture 23">
-            <a:extLst>
-              <a:ext uri="{FF2B5EF4-FFF2-40B4-BE49-F238E27FC236}">
-                <a16:creationId xmlns:a16="http://schemas.microsoft.com/office/drawing/2014/main" id="{65B14499-3C5C-4DA3-981A-AD2CBE379DB2}"/>
+          <p:cNvPr id="25" name="Picture 24">
+            <a:extLst>
+              <a:ext uri="{FF2B5EF4-FFF2-40B4-BE49-F238E27FC236}">
+                <a16:creationId xmlns:a16="http://schemas.microsoft.com/office/drawing/2014/main" id="{EF091B05-9D23-4EF7-ADA3-19B586DC9DB3}"/>
               </a:ext>
             </a:extLst>
           </p:cNvPr>
@@ -4007,7 +4012,7 @@
         </p:blipFill>
         <p:spPr>
           <a:xfrm>
-            <a:off x="7829807" y="5433749"/>
+            <a:off x="9293533" y="5433749"/>
             <a:ext cx="1236910" cy="1220670"/>
           </a:xfrm>
           <a:prstGeom prst="rect">
@@ -4017,10 +4022,10 @@
       </p:pic>
       <p:pic>
         <p:nvPicPr>
-          <p:cNvPr id="25" name="Picture 24">
-            <a:extLst>
-              <a:ext uri="{FF2B5EF4-FFF2-40B4-BE49-F238E27FC236}">
-                <a16:creationId xmlns:a16="http://schemas.microsoft.com/office/drawing/2014/main" id="{EF091B05-9D23-4EF7-ADA3-19B586DC9DB3}"/>
+          <p:cNvPr id="31" name="Picture 30">
+            <a:extLst>
+              <a:ext uri="{FF2B5EF4-FFF2-40B4-BE49-F238E27FC236}">
+                <a16:creationId xmlns:a16="http://schemas.microsoft.com/office/drawing/2014/main" id="{E9906ECE-7873-4E21-82E0-ADDCD43FE06E}"/>
               </a:ext>
             </a:extLst>
           </p:cNvPr>
@@ -4037,7 +4042,7 @@
         </p:blipFill>
         <p:spPr>
           <a:xfrm>
-            <a:off x="9293533" y="5433749"/>
+            <a:off x="10757259" y="989645"/>
             <a:ext cx="1236910" cy="1220670"/>
           </a:xfrm>
           <a:prstGeom prst="rect">
@@ -4047,10 +4052,10 @@
       </p:pic>
       <p:pic>
         <p:nvPicPr>
-          <p:cNvPr id="31" name="Picture 30">
-            <a:extLst>
-              <a:ext uri="{FF2B5EF4-FFF2-40B4-BE49-F238E27FC236}">
-                <a16:creationId xmlns:a16="http://schemas.microsoft.com/office/drawing/2014/main" id="{E9906ECE-7873-4E21-82E0-ADDCD43FE06E}"/>
+          <p:cNvPr id="32" name="Picture 31">
+            <a:extLst>
+              <a:ext uri="{FF2B5EF4-FFF2-40B4-BE49-F238E27FC236}">
+                <a16:creationId xmlns:a16="http://schemas.microsoft.com/office/drawing/2014/main" id="{CFB9791E-B35E-4721-87BD-1A8419D394E0}"/>
               </a:ext>
             </a:extLst>
           </p:cNvPr>
@@ -4067,7 +4072,7 @@
         </p:blipFill>
         <p:spPr>
           <a:xfrm>
-            <a:off x="10757259" y="989645"/>
+            <a:off x="10757259" y="2471013"/>
             <a:ext cx="1236910" cy="1220670"/>
           </a:xfrm>
           <a:prstGeom prst="rect">
@@ -4077,10 +4082,10 @@
       </p:pic>
       <p:pic>
         <p:nvPicPr>
-          <p:cNvPr id="32" name="Picture 31">
-            <a:extLst>
-              <a:ext uri="{FF2B5EF4-FFF2-40B4-BE49-F238E27FC236}">
-                <a16:creationId xmlns:a16="http://schemas.microsoft.com/office/drawing/2014/main" id="{CFB9791E-B35E-4721-87BD-1A8419D394E0}"/>
+          <p:cNvPr id="33" name="Picture 32">
+            <a:extLst>
+              <a:ext uri="{FF2B5EF4-FFF2-40B4-BE49-F238E27FC236}">
+                <a16:creationId xmlns:a16="http://schemas.microsoft.com/office/drawing/2014/main" id="{5A3E7925-A39A-4325-8A80-36F1ED740A44}"/>
               </a:ext>
             </a:extLst>
           </p:cNvPr>
@@ -4097,7 +4102,7 @@
         </p:blipFill>
         <p:spPr>
           <a:xfrm>
-            <a:off x="10757259" y="2471013"/>
+            <a:off x="10757259" y="3952381"/>
             <a:ext cx="1236910" cy="1220670"/>
           </a:xfrm>
           <a:prstGeom prst="rect">
@@ -4107,10 +4112,10 @@
       </p:pic>
       <p:pic>
         <p:nvPicPr>
-          <p:cNvPr id="33" name="Picture 32">
-            <a:extLst>
-              <a:ext uri="{FF2B5EF4-FFF2-40B4-BE49-F238E27FC236}">
-                <a16:creationId xmlns:a16="http://schemas.microsoft.com/office/drawing/2014/main" id="{5A3E7925-A39A-4325-8A80-36F1ED740A44}"/>
+          <p:cNvPr id="34" name="Picture 33">
+            <a:extLst>
+              <a:ext uri="{FF2B5EF4-FFF2-40B4-BE49-F238E27FC236}">
+                <a16:creationId xmlns:a16="http://schemas.microsoft.com/office/drawing/2014/main" id="{14EA7258-B9D8-4A4A-9EF0-15A3893A6569}"/>
               </a:ext>
             </a:extLst>
           </p:cNvPr>
@@ -4127,7 +4132,7 @@
         </p:blipFill>
         <p:spPr>
           <a:xfrm>
-            <a:off x="10757259" y="3952381"/>
+            <a:off x="10757259" y="5433749"/>
             <a:ext cx="1236910" cy="1220670"/>
           </a:xfrm>
           <a:prstGeom prst="rect">
@@ -4135,12 +4140,86 @@
           </a:prstGeom>
         </p:spPr>
       </p:pic>
+      <p:sp>
+        <p:nvSpPr>
+          <p:cNvPr id="35" name="TextBox 34">
+            <a:extLst>
+              <a:ext uri="{FF2B5EF4-FFF2-40B4-BE49-F238E27FC236}">
+                <a16:creationId xmlns:a16="http://schemas.microsoft.com/office/drawing/2014/main" id="{2EF5D6BC-7FC6-4BBC-B7E8-8B97F9DF0E6B}"/>
+              </a:ext>
+            </a:extLst>
+          </p:cNvPr>
+          <p:cNvSpPr txBox="1"/>
+          <p:nvPr/>
+        </p:nvSpPr>
+        <p:spPr>
+          <a:xfrm flipH="1">
+            <a:off x="545859" y="2314780"/>
+            <a:ext cx="1653541" cy="707886"/>
+          </a:xfrm>
+          <a:prstGeom prst="rect">
+            <a:avLst/>
+          </a:prstGeom>
+          <a:noFill/>
+        </p:spPr>
+        <p:txBody>
+          <a:bodyPr wrap="square" rtlCol="0">
+            <a:spAutoFit/>
+          </a:bodyPr>
+          <a:lstStyle/>
+          <a:p>
+            <a:pPr algn="ctr"/>
+            <a:r>
+              <a:rPr lang="en-US" sz="4000" dirty="0"/>
+              <a:t>1985</a:t>
+            </a:r>
+            <a:endParaRPr lang="en-US" dirty="0"/>
+          </a:p>
+        </p:txBody>
+      </p:sp>
+      <p:sp>
+        <p:nvSpPr>
+          <p:cNvPr id="36" name="TextBox 35">
+            <a:extLst>
+              <a:ext uri="{FF2B5EF4-FFF2-40B4-BE49-F238E27FC236}">
+                <a16:creationId xmlns:a16="http://schemas.microsoft.com/office/drawing/2014/main" id="{74E64ADF-4582-475E-A6D8-6B14F3014D2D}"/>
+              </a:ext>
+            </a:extLst>
+          </p:cNvPr>
+          <p:cNvSpPr txBox="1"/>
+          <p:nvPr/>
+        </p:nvSpPr>
+        <p:spPr>
+          <a:xfrm flipH="1">
+            <a:off x="6885699" y="151410"/>
+            <a:ext cx="1653541" cy="707886"/>
+          </a:xfrm>
+          <a:prstGeom prst="rect">
+            <a:avLst/>
+          </a:prstGeom>
+          <a:noFill/>
+        </p:spPr>
+        <p:txBody>
+          <a:bodyPr wrap="square" rtlCol="0">
+            <a:spAutoFit/>
+          </a:bodyPr>
+          <a:lstStyle/>
+          <a:p>
+            <a:pPr algn="ctr"/>
+            <a:r>
+              <a:rPr lang="en-US" sz="4000" dirty="0"/>
+              <a:t>2021</a:t>
+            </a:r>
+            <a:endParaRPr lang="en-US" dirty="0"/>
+          </a:p>
+        </p:txBody>
+      </p:sp>
       <p:pic>
         <p:nvPicPr>
-          <p:cNvPr id="34" name="Picture 33">
-            <a:extLst>
-              <a:ext uri="{FF2B5EF4-FFF2-40B4-BE49-F238E27FC236}">
-                <a16:creationId xmlns:a16="http://schemas.microsoft.com/office/drawing/2014/main" id="{14EA7258-B9D8-4A4A-9EF0-15A3893A6569}"/>
+          <p:cNvPr id="3" name="Picture 2">
+            <a:extLst>
+              <a:ext uri="{FF2B5EF4-FFF2-40B4-BE49-F238E27FC236}">
+                <a16:creationId xmlns:a16="http://schemas.microsoft.com/office/drawing/2014/main" id="{02D3558A-438D-4CAD-BED1-C94D90383DAC}"/>
               </a:ext>
             </a:extLst>
           </p:cNvPr>
@@ -4150,95 +4229,68 @@
           <p:nvPr/>
         </p:nvPicPr>
         <p:blipFill>
-          <a:blip r:embed="rId2"/>
+          <a:blip r:embed="rId3"/>
           <a:stretch>
             <a:fillRect/>
           </a:stretch>
         </p:blipFill>
         <p:spPr>
           <a:xfrm>
-            <a:off x="10757259" y="5433749"/>
-            <a:ext cx="1236910" cy="1220670"/>
+            <a:off x="9293534" y="3952381"/>
+            <a:ext cx="1236909" cy="1220670"/>
           </a:xfrm>
           <a:prstGeom prst="rect">
             <a:avLst/>
           </a:prstGeom>
         </p:spPr>
       </p:pic>
-      <p:sp>
-        <p:nvSpPr>
-          <p:cNvPr id="35" name="TextBox 34">
-            <a:extLst>
-              <a:ext uri="{FF2B5EF4-FFF2-40B4-BE49-F238E27FC236}">
-                <a16:creationId xmlns:a16="http://schemas.microsoft.com/office/drawing/2014/main" id="{2EF5D6BC-7FC6-4BBC-B7E8-8B97F9DF0E6B}"/>
-              </a:ext>
-            </a:extLst>
-          </p:cNvPr>
-          <p:cNvSpPr txBox="1"/>
+      <p:pic>
+        <p:nvPicPr>
+          <p:cNvPr id="1026" name="Picture 2" descr="10+ Free Crosshair &amp;amp; Target Vectors">
+            <a:extLst>
+              <a:ext uri="{FF2B5EF4-FFF2-40B4-BE49-F238E27FC236}">
+                <a16:creationId xmlns:a16="http://schemas.microsoft.com/office/drawing/2014/main" id="{4D53ACC7-6250-4777-8E6B-5E784473C3E1}"/>
+              </a:ext>
+            </a:extLst>
+          </p:cNvPr>
+          <p:cNvPicPr>
+            <a:picLocks noChangeAspect="1" noChangeArrowheads="1"/>
+          </p:cNvPicPr>
           <p:nvPr/>
-        </p:nvSpPr>
-        <p:spPr>
-          <a:xfrm flipH="1">
-            <a:off x="545859" y="2314780"/>
-            <a:ext cx="1653541" cy="707886"/>
+        </p:nvPicPr>
+        <p:blipFill>
+          <a:blip r:embed="rId4">
+            <a:extLst>
+              <a:ext uri="{28A0092B-C50C-407E-A947-70E740481C1C}">
+                <a14:useLocalDpi xmlns:a14="http://schemas.microsoft.com/office/drawing/2010/main" val="0"/>
+              </a:ext>
+            </a:extLst>
+          </a:blip>
+          <a:srcRect/>
+          <a:stretch>
+            <a:fillRect/>
+          </a:stretch>
+        </p:blipFill>
+        <p:spPr bwMode="auto">
+          <a:xfrm>
+            <a:off x="8930854" y="3468007"/>
+            <a:ext cx="2039478" cy="2056616"/>
           </a:xfrm>
           <a:prstGeom prst="rect">
             <a:avLst/>
           </a:prstGeom>
           <a:noFill/>
-        </p:spPr>
-        <p:txBody>
-          <a:bodyPr wrap="square" rtlCol="0">
-            <a:spAutoFit/>
-          </a:bodyPr>
-          <a:lstStyle/>
-          <a:p>
-            <a:pPr algn="ctr"/>
-            <a:r>
-              <a:rPr lang="en-US" sz="4000" dirty="0"/>
-              <a:t>1985</a:t>
-            </a:r>
-            <a:endParaRPr lang="en-US" dirty="0"/>
-          </a:p>
-        </p:txBody>
-      </p:sp>
-      <p:sp>
-        <p:nvSpPr>
-          <p:cNvPr id="36" name="TextBox 35">
-            <a:extLst>
-              <a:ext uri="{FF2B5EF4-FFF2-40B4-BE49-F238E27FC236}">
-                <a16:creationId xmlns:a16="http://schemas.microsoft.com/office/drawing/2014/main" id="{74E64ADF-4582-475E-A6D8-6B14F3014D2D}"/>
-              </a:ext>
-            </a:extLst>
-          </p:cNvPr>
-          <p:cNvSpPr txBox="1"/>
-          <p:nvPr/>
-        </p:nvSpPr>
-        <p:spPr>
-          <a:xfrm flipH="1">
-            <a:off x="6885699" y="151410"/>
-            <a:ext cx="1653541" cy="707886"/>
-          </a:xfrm>
-          <a:prstGeom prst="rect">
-            <a:avLst/>
-          </a:prstGeom>
-          <a:noFill/>
-        </p:spPr>
-        <p:txBody>
-          <a:bodyPr wrap="square" rtlCol="0">
-            <a:spAutoFit/>
-          </a:bodyPr>
-          <a:lstStyle/>
-          <a:p>
-            <a:pPr algn="ctr"/>
-            <a:r>
-              <a:rPr lang="en-US" sz="4000" dirty="0"/>
-              <a:t>2021</a:t>
-            </a:r>
-            <a:endParaRPr lang="en-US" dirty="0"/>
-          </a:p>
-        </p:txBody>
-      </p:sp>
+          <a:extLst>
+            <a:ext uri="{909E8E84-426E-40DD-AFC4-6F175D3DCCD1}">
+              <a14:hiddenFill xmlns:a14="http://schemas.microsoft.com/office/drawing/2010/main">
+                <a:solidFill>
+                  <a:srgbClr val="FFFFFF"/>
+                </a:solidFill>
+              </a14:hiddenFill>
+            </a:ext>
+          </a:extLst>
+        </p:spPr>
+      </p:pic>
     </p:spTree>
     <p:extLst>
       <p:ext uri="{BB962C8B-B14F-4D97-AF65-F5344CB8AC3E}">
